--- a/ps1 top_assists/TOP ASSITS PPT.pptx
+++ b/ps1 top_assists/TOP ASSITS PPT.pptx
@@ -5,7 +5,7 @@
     <p:sldMasterId id="2147483678" r:id="rId1"/>
   </p:sldMasterIdLst>
   <p:notesMasterIdLst>
-    <p:notesMasterId r:id="rId17"/>
+    <p:notesMasterId r:id="rId16"/>
   </p:notesMasterIdLst>
   <p:sldIdLst>
     <p:sldId id="256" r:id="rId2"/>
@@ -17,12 +17,11 @@
     <p:sldId id="262" r:id="rId8"/>
     <p:sldId id="263" r:id="rId9"/>
     <p:sldId id="264" r:id="rId10"/>
-    <p:sldId id="265" r:id="rId11"/>
-    <p:sldId id="266" r:id="rId12"/>
-    <p:sldId id="267" r:id="rId13"/>
-    <p:sldId id="268" r:id="rId14"/>
-    <p:sldId id="269" r:id="rId15"/>
-    <p:sldId id="270" r:id="rId16"/>
+    <p:sldId id="266" r:id="rId11"/>
+    <p:sldId id="267" r:id="rId12"/>
+    <p:sldId id="268" r:id="rId13"/>
+    <p:sldId id="269" r:id="rId14"/>
+    <p:sldId id="270" r:id="rId15"/>
   </p:sldIdLst>
   <p:sldSz cx="12192000" cy="6858000"/>
   <p:notesSz cx="6858000" cy="9144000"/>
@@ -636,7 +635,91 @@
           <a:p>
             <a:fld id="{8F2586F5-C01F-44AB-B037-27A9692CB405}" type="slidenum">
               <a:rPr lang="en-IN" smtClean="0"/>
-              <a:t>12</a:t>
+              <a:t>9</a:t>
+            </a:fld>
+            <a:endParaRPr lang="en-IN"/>
+          </a:p>
+        </p:txBody>
+      </p:sp>
+    </p:spTree>
+    <p:extLst>
+      <p:ext uri="{BB962C8B-B14F-4D97-AF65-F5344CB8AC3E}">
+        <p14:creationId xmlns:p14="http://schemas.microsoft.com/office/powerpoint/2010/main" val="526120962"/>
+      </p:ext>
+    </p:extLst>
+  </p:cSld>
+  <p:clrMapOvr>
+    <a:masterClrMapping/>
+  </p:clrMapOvr>
+</p:notes>
+</file>
+
+<file path=ppt/notesSlides/notesSlide3.xml><?xml version="1.0" encoding="utf-8"?>
+<p:notes xmlns:a="http://schemas.openxmlformats.org/drawingml/2006/main" xmlns:r="http://schemas.openxmlformats.org/officeDocument/2006/relationships" xmlns:p="http://schemas.openxmlformats.org/presentationml/2006/main">
+  <p:cSld>
+    <p:spTree>
+      <p:nvGrpSpPr>
+        <p:cNvPr id="1" name=""/>
+        <p:cNvGrpSpPr/>
+        <p:nvPr/>
+      </p:nvGrpSpPr>
+      <p:grpSpPr>
+        <a:xfrm>
+          <a:off x="0" y="0"/>
+          <a:ext cx="0" cy="0"/>
+          <a:chOff x="0" y="0"/>
+          <a:chExt cx="0" cy="0"/>
+        </a:xfrm>
+      </p:grpSpPr>
+      <p:sp>
+        <p:nvSpPr>
+          <p:cNvPr id="2" name="Slide Image Placeholder 1"/>
+          <p:cNvSpPr>
+            <a:spLocks noGrp="1" noRot="1" noChangeAspect="1"/>
+          </p:cNvSpPr>
+          <p:nvPr>
+            <p:ph type="sldImg"/>
+          </p:nvPr>
+        </p:nvSpPr>
+        <p:spPr/>
+      </p:sp>
+      <p:sp>
+        <p:nvSpPr>
+          <p:cNvPr id="3" name="Notes Placeholder 2"/>
+          <p:cNvSpPr>
+            <a:spLocks noGrp="1"/>
+          </p:cNvSpPr>
+          <p:nvPr>
+            <p:ph type="body" idx="1"/>
+          </p:nvPr>
+        </p:nvSpPr>
+        <p:spPr/>
+        <p:txBody>
+          <a:bodyPr/>
+          <a:lstStyle/>
+          <a:p>
+            <a:endParaRPr lang="en-IN" dirty="0"/>
+          </a:p>
+        </p:txBody>
+      </p:sp>
+      <p:sp>
+        <p:nvSpPr>
+          <p:cNvPr id="4" name="Slide Number Placeholder 3"/>
+          <p:cNvSpPr>
+            <a:spLocks noGrp="1"/>
+          </p:cNvSpPr>
+          <p:nvPr>
+            <p:ph type="sldNum" sz="quarter" idx="5"/>
+          </p:nvPr>
+        </p:nvSpPr>
+        <p:spPr/>
+        <p:txBody>
+          <a:bodyPr/>
+          <a:lstStyle/>
+          <a:p>
+            <a:fld id="{8F2586F5-C01F-44AB-B037-27A9692CB405}" type="slidenum">
+              <a:rPr lang="en-IN" smtClean="0"/>
+              <a:t>11</a:t>
             </a:fld>
             <a:endParaRPr lang="en-IN"/>
           </a:p>
@@ -13978,558 +14061,6 @@
           <p:cNvPr id="2" name="Title 1">
             <a:extLst>
               <a:ext uri="{FF2B5EF4-FFF2-40B4-BE49-F238E27FC236}">
-                <a16:creationId xmlns:a16="http://schemas.microsoft.com/office/drawing/2014/main" id="{B7F6A0D4-8916-1988-6275-8A3EDC55D460}"/>
-              </a:ext>
-            </a:extLst>
-          </p:cNvPr>
-          <p:cNvSpPr>
-            <a:spLocks noGrp="1"/>
-          </p:cNvSpPr>
-          <p:nvPr>
-            <p:ph type="title"/>
-          </p:nvPr>
-        </p:nvSpPr>
-        <p:spPr/>
-        <p:txBody>
-          <a:bodyPr/>
-          <a:lstStyle/>
-          <a:p>
-            <a:r>
-              <a:rPr lang="en-US" dirty="0"/>
-              <a:t>HPYERTUNNING</a:t>
-            </a:r>
-            <a:endParaRPr lang="en-IN" dirty="0"/>
-          </a:p>
-        </p:txBody>
-      </p:sp>
-      <p:sp>
-        <p:nvSpPr>
-          <p:cNvPr id="3" name="Content Placeholder 2">
-            <a:extLst>
-              <a:ext uri="{FF2B5EF4-FFF2-40B4-BE49-F238E27FC236}">
-                <a16:creationId xmlns:a16="http://schemas.microsoft.com/office/drawing/2014/main" id="{90886420-E44C-A0BF-3ABB-46979294141A}"/>
-              </a:ext>
-            </a:extLst>
-          </p:cNvPr>
-          <p:cNvSpPr>
-            <a:spLocks noGrp="1"/>
-          </p:cNvSpPr>
-          <p:nvPr>
-            <p:ph idx="1"/>
-          </p:nvPr>
-        </p:nvSpPr>
-        <p:spPr>
-          <a:xfrm>
-            <a:off x="245806" y="2359741"/>
-            <a:ext cx="6154994" cy="4041058"/>
-          </a:xfrm>
-        </p:spPr>
-        <p:txBody>
-          <a:bodyPr>
-            <a:normAutofit fontScale="92500" lnSpcReduction="10000"/>
-          </a:bodyPr>
-          <a:lstStyle/>
-          <a:p>
-            <a:r>
-              <a:rPr lang="en-US" b="1" dirty="0"/>
-              <a:t>Hyperparameters Used (Random Forest)</a:t>
-            </a:r>
-          </a:p>
-          <a:p>
-            <a:r>
-              <a:rPr lang="en-US" b="1" dirty="0" err="1"/>
-              <a:t>n_estimators</a:t>
-            </a:r>
-            <a:r>
-              <a:rPr lang="en-US" b="1" dirty="0"/>
-              <a:t> = 200</a:t>
-            </a:r>
-            <a:endParaRPr lang="en-US" dirty="0"/>
-          </a:p>
-          <a:p>
-            <a:pPr lvl="1"/>
-            <a:r>
-              <a:rPr lang="en-US" dirty="0"/>
-              <a:t>Number of trees in the forest.</a:t>
-            </a:r>
-          </a:p>
-          <a:p>
-            <a:pPr lvl="1"/>
-            <a:r>
-              <a:rPr lang="en-US" b="1" dirty="0"/>
-              <a:t>Reason:</a:t>
-            </a:r>
-            <a:r>
-              <a:rPr lang="en-US" dirty="0"/>
-              <a:t> More trees reduce variance and provide stable, robust predictions.</a:t>
-            </a:r>
-          </a:p>
-          <a:p>
-            <a:r>
-              <a:rPr lang="en-US" b="1" dirty="0" err="1"/>
-              <a:t>max_depth</a:t>
-            </a:r>
-            <a:r>
-              <a:rPr lang="en-US" b="1" dirty="0"/>
-              <a:t> = 10</a:t>
-            </a:r>
-            <a:endParaRPr lang="en-US" dirty="0"/>
-          </a:p>
-          <a:p>
-            <a:pPr lvl="1"/>
-            <a:r>
-              <a:rPr lang="en-US" dirty="0"/>
-              <a:t>Maximum depth of each tree.</a:t>
-            </a:r>
-          </a:p>
-          <a:p>
-            <a:pPr lvl="1"/>
-            <a:r>
-              <a:rPr lang="en-US" b="1" dirty="0"/>
-              <a:t>Reason:</a:t>
-            </a:r>
-            <a:r>
-              <a:rPr lang="en-US" dirty="0"/>
-              <a:t> Controls overfitting by preventing trees from growing too deep.</a:t>
-            </a:r>
-          </a:p>
-          <a:p>
-            <a:r>
-              <a:rPr lang="en-US" b="1" dirty="0" err="1"/>
-              <a:t>min_samples_split</a:t>
-            </a:r>
-            <a:r>
-              <a:rPr lang="en-US" b="1" dirty="0"/>
-              <a:t> = 5</a:t>
-            </a:r>
-            <a:endParaRPr lang="en-US" dirty="0"/>
-          </a:p>
-          <a:p>
-            <a:pPr lvl="1"/>
-            <a:r>
-              <a:rPr lang="en-US" dirty="0"/>
-              <a:t>Minimum number of samples required to split a node.</a:t>
-            </a:r>
-          </a:p>
-          <a:p>
-            <a:pPr lvl="1"/>
-            <a:r>
-              <a:rPr lang="en-US" b="1" dirty="0"/>
-              <a:t>Reason:</a:t>
-            </a:r>
-            <a:r>
-              <a:rPr lang="en-US" dirty="0"/>
-              <a:t> Ensures nodes are not split on very small data subsets, improving generalization.</a:t>
-            </a:r>
-          </a:p>
-          <a:p>
-            <a:endParaRPr lang="en-IN" dirty="0"/>
-          </a:p>
-        </p:txBody>
-      </p:sp>
-      <p:sp>
-        <p:nvSpPr>
-          <p:cNvPr id="4" name="Content Placeholder 2">
-            <a:extLst>
-              <a:ext uri="{FF2B5EF4-FFF2-40B4-BE49-F238E27FC236}">
-                <a16:creationId xmlns:a16="http://schemas.microsoft.com/office/drawing/2014/main" id="{2C3F0F03-CFEE-7CF7-821D-6420639CB865}"/>
-              </a:ext>
-            </a:extLst>
-          </p:cNvPr>
-          <p:cNvSpPr txBox="1">
-            <a:spLocks/>
-          </p:cNvSpPr>
-          <p:nvPr/>
-        </p:nvSpPr>
-        <p:spPr>
-          <a:xfrm>
-            <a:off x="6248400" y="2359741"/>
-            <a:ext cx="5943600" cy="4601498"/>
-          </a:xfrm>
-          <a:prstGeom prst="rect">
-            <a:avLst/>
-          </a:prstGeom>
-        </p:spPr>
-        <p:txBody>
-          <a:bodyPr vert="horz" lIns="91440" tIns="45720" rIns="91440" bIns="45720" rtlCol="0">
-            <a:normAutofit/>
-          </a:bodyPr>
-          <a:lstStyle>
-            <a:lvl1pPr marL="342900" indent="-342900" algn="l" defTabSz="457200" rtl="0" eaLnBrk="1" latinLnBrk="0" hangingPunct="1">
-              <a:spcBef>
-                <a:spcPts val="1000"/>
-              </a:spcBef>
-              <a:spcAft>
-                <a:spcPts val="0"/>
-              </a:spcAft>
-              <a:buClr>
-                <a:schemeClr val="accent1"/>
-              </a:buClr>
-              <a:buSzPct val="80000"/>
-              <a:buFont typeface="Wingdings 3" charset="2"/>
-              <a:buChar char=""/>
-              <a:defRPr sz="1800" b="0" i="0" kern="1200">
-                <a:solidFill>
-                  <a:schemeClr val="tx1">
-                    <a:lumMod val="75000"/>
-                    <a:lumOff val="25000"/>
-                  </a:schemeClr>
-                </a:solidFill>
-                <a:latin typeface="+mn-lt"/>
-                <a:ea typeface="+mn-ea"/>
-                <a:cs typeface="+mn-cs"/>
-              </a:defRPr>
-            </a:lvl1pPr>
-            <a:lvl2pPr marL="742950" indent="-285750" algn="l" defTabSz="457200" rtl="0" eaLnBrk="1" latinLnBrk="0" hangingPunct="1">
-              <a:spcBef>
-                <a:spcPts val="1000"/>
-              </a:spcBef>
-              <a:spcAft>
-                <a:spcPts val="0"/>
-              </a:spcAft>
-              <a:buClr>
-                <a:schemeClr val="accent1"/>
-              </a:buClr>
-              <a:buSzPct val="80000"/>
-              <a:buFont typeface="Wingdings 3" charset="2"/>
-              <a:buChar char=""/>
-              <a:defRPr sz="1600" b="0" i="0" kern="1200">
-                <a:solidFill>
-                  <a:schemeClr val="tx1">
-                    <a:lumMod val="75000"/>
-                    <a:lumOff val="25000"/>
-                  </a:schemeClr>
-                </a:solidFill>
-                <a:latin typeface="+mn-lt"/>
-                <a:ea typeface="+mn-ea"/>
-                <a:cs typeface="+mn-cs"/>
-              </a:defRPr>
-            </a:lvl2pPr>
-            <a:lvl3pPr marL="1143000" indent="-228600" algn="l" defTabSz="457200" rtl="0" eaLnBrk="1" latinLnBrk="0" hangingPunct="1">
-              <a:spcBef>
-                <a:spcPts val="1000"/>
-              </a:spcBef>
-              <a:spcAft>
-                <a:spcPts val="0"/>
-              </a:spcAft>
-              <a:buClr>
-                <a:schemeClr val="accent1"/>
-              </a:buClr>
-              <a:buSzPct val="80000"/>
-              <a:buFont typeface="Wingdings 3" charset="2"/>
-              <a:buChar char=""/>
-              <a:defRPr sz="1400" b="0" i="0" kern="1200">
-                <a:solidFill>
-                  <a:schemeClr val="tx1">
-                    <a:lumMod val="75000"/>
-                    <a:lumOff val="25000"/>
-                  </a:schemeClr>
-                </a:solidFill>
-                <a:latin typeface="+mn-lt"/>
-                <a:ea typeface="+mn-ea"/>
-                <a:cs typeface="+mn-cs"/>
-              </a:defRPr>
-            </a:lvl3pPr>
-            <a:lvl4pPr marL="1600200" indent="-228600" algn="l" defTabSz="457200" rtl="0" eaLnBrk="1" latinLnBrk="0" hangingPunct="1">
-              <a:spcBef>
-                <a:spcPts val="1000"/>
-              </a:spcBef>
-              <a:spcAft>
-                <a:spcPts val="0"/>
-              </a:spcAft>
-              <a:buClr>
-                <a:schemeClr val="accent1"/>
-              </a:buClr>
-              <a:buSzPct val="80000"/>
-              <a:buFont typeface="Wingdings 3" charset="2"/>
-              <a:buChar char=""/>
-              <a:defRPr sz="1200" b="0" i="0" kern="1200">
-                <a:solidFill>
-                  <a:schemeClr val="tx1">
-                    <a:lumMod val="75000"/>
-                    <a:lumOff val="25000"/>
-                  </a:schemeClr>
-                </a:solidFill>
-                <a:latin typeface="+mn-lt"/>
-                <a:ea typeface="+mn-ea"/>
-                <a:cs typeface="+mn-cs"/>
-              </a:defRPr>
-            </a:lvl4pPr>
-            <a:lvl5pPr marL="2057400" indent="-228600" algn="l" defTabSz="457200" rtl="0" eaLnBrk="1" latinLnBrk="0" hangingPunct="1">
-              <a:spcBef>
-                <a:spcPts val="1000"/>
-              </a:spcBef>
-              <a:spcAft>
-                <a:spcPts val="0"/>
-              </a:spcAft>
-              <a:buClr>
-                <a:schemeClr val="accent1"/>
-              </a:buClr>
-              <a:buSzPct val="80000"/>
-              <a:buFont typeface="Wingdings 3" charset="2"/>
-              <a:buChar char=""/>
-              <a:defRPr sz="1200" b="0" i="0" kern="1200">
-                <a:solidFill>
-                  <a:schemeClr val="tx1">
-                    <a:lumMod val="75000"/>
-                    <a:lumOff val="25000"/>
-                  </a:schemeClr>
-                </a:solidFill>
-                <a:latin typeface="+mn-lt"/>
-                <a:ea typeface="+mn-ea"/>
-                <a:cs typeface="+mn-cs"/>
-              </a:defRPr>
-            </a:lvl5pPr>
-            <a:lvl6pPr marL="2514600" indent="-228600" algn="l" defTabSz="457200" rtl="0" eaLnBrk="1" latinLnBrk="0" hangingPunct="1">
-              <a:spcBef>
-                <a:spcPts val="1000"/>
-              </a:spcBef>
-              <a:spcAft>
-                <a:spcPts val="0"/>
-              </a:spcAft>
-              <a:buClr>
-                <a:schemeClr val="accent1"/>
-              </a:buClr>
-              <a:buSzPct val="80000"/>
-              <a:buFont typeface="Wingdings 3" charset="2"/>
-              <a:buChar char=""/>
-              <a:defRPr sz="1200" b="0" i="0" kern="1200">
-                <a:solidFill>
-                  <a:schemeClr val="tx1">
-                    <a:lumMod val="75000"/>
-                    <a:lumOff val="25000"/>
-                  </a:schemeClr>
-                </a:solidFill>
-                <a:latin typeface="+mn-lt"/>
-                <a:ea typeface="+mn-ea"/>
-                <a:cs typeface="+mn-cs"/>
-              </a:defRPr>
-            </a:lvl6pPr>
-            <a:lvl7pPr marL="2971800" indent="-228600" algn="l" defTabSz="457200" rtl="0" eaLnBrk="1" latinLnBrk="0" hangingPunct="1">
-              <a:spcBef>
-                <a:spcPts val="1000"/>
-              </a:spcBef>
-              <a:spcAft>
-                <a:spcPts val="0"/>
-              </a:spcAft>
-              <a:buClr>
-                <a:schemeClr val="accent1"/>
-              </a:buClr>
-              <a:buSzPct val="80000"/>
-              <a:buFont typeface="Wingdings 3" charset="2"/>
-              <a:buChar char=""/>
-              <a:defRPr sz="1200" b="0" i="0" kern="1200">
-                <a:solidFill>
-                  <a:schemeClr val="tx1">
-                    <a:lumMod val="75000"/>
-                    <a:lumOff val="25000"/>
-                  </a:schemeClr>
-                </a:solidFill>
-                <a:latin typeface="+mn-lt"/>
-                <a:ea typeface="+mn-ea"/>
-                <a:cs typeface="+mn-cs"/>
-              </a:defRPr>
-            </a:lvl7pPr>
-            <a:lvl8pPr marL="3429000" indent="-228600" algn="l" defTabSz="457200" rtl="0" eaLnBrk="1" latinLnBrk="0" hangingPunct="1">
-              <a:spcBef>
-                <a:spcPts val="1000"/>
-              </a:spcBef>
-              <a:spcAft>
-                <a:spcPts val="0"/>
-              </a:spcAft>
-              <a:buClr>
-                <a:schemeClr val="accent1"/>
-              </a:buClr>
-              <a:buSzPct val="80000"/>
-              <a:buFont typeface="Wingdings 3" charset="2"/>
-              <a:buChar char=""/>
-              <a:defRPr sz="1200" b="0" i="0" kern="1200">
-                <a:solidFill>
-                  <a:schemeClr val="tx1">
-                    <a:lumMod val="75000"/>
-                    <a:lumOff val="25000"/>
-                  </a:schemeClr>
-                </a:solidFill>
-                <a:latin typeface="+mn-lt"/>
-                <a:ea typeface="+mn-ea"/>
-                <a:cs typeface="+mn-cs"/>
-              </a:defRPr>
-            </a:lvl8pPr>
-            <a:lvl9pPr marL="3886200" indent="-228600" algn="l" defTabSz="457200" rtl="0" eaLnBrk="1" latinLnBrk="0" hangingPunct="1">
-              <a:spcBef>
-                <a:spcPts val="1000"/>
-              </a:spcBef>
-              <a:spcAft>
-                <a:spcPts val="0"/>
-              </a:spcAft>
-              <a:buClr>
-                <a:schemeClr val="accent1"/>
-              </a:buClr>
-              <a:buSzPct val="80000"/>
-              <a:buFont typeface="Wingdings 3" charset="2"/>
-              <a:buChar char=""/>
-              <a:defRPr sz="1200" b="0" i="0" kern="1200">
-                <a:solidFill>
-                  <a:schemeClr val="tx1">
-                    <a:lumMod val="75000"/>
-                    <a:lumOff val="25000"/>
-                  </a:schemeClr>
-                </a:solidFill>
-                <a:latin typeface="+mn-lt"/>
-                <a:ea typeface="+mn-ea"/>
-                <a:cs typeface="+mn-cs"/>
-              </a:defRPr>
-            </a:lvl9pPr>
-          </a:lstStyle>
-          <a:p>
-            <a:r>
-              <a:rPr lang="en-US" sz="1500" b="1" dirty="0" err="1"/>
-              <a:t>random_state</a:t>
-            </a:r>
-            <a:r>
-              <a:rPr lang="en-US" sz="1500" b="1" dirty="0"/>
-              <a:t> = 42</a:t>
-            </a:r>
-            <a:endParaRPr lang="en-US" sz="1500" dirty="0"/>
-          </a:p>
-          <a:p>
-            <a:pPr lvl="1"/>
-            <a:r>
-              <a:rPr lang="en-US" sz="1500" dirty="0"/>
-              <a:t>Seed for reproducibility.</a:t>
-            </a:r>
-          </a:p>
-          <a:p>
-            <a:pPr lvl="1"/>
-            <a:r>
-              <a:rPr lang="en-US" sz="1500" b="1" dirty="0"/>
-              <a:t>Reason:</a:t>
-            </a:r>
-            <a:r>
-              <a:rPr lang="en-US" sz="1500" dirty="0"/>
-              <a:t> Guarantees consistent results across multiple runs.</a:t>
-            </a:r>
-          </a:p>
-          <a:p>
-            <a:r>
-              <a:rPr lang="en-US" sz="1500" b="1" dirty="0"/>
-              <a:t>Overall Impact:</a:t>
-            </a:r>
-            <a:endParaRPr lang="en-US" sz="1500" dirty="0"/>
-          </a:p>
-          <a:p>
-            <a:pPr lvl="1"/>
-            <a:r>
-              <a:rPr lang="en-US" sz="1500" dirty="0"/>
-              <a:t>These tuned hyperparameters balance accuracy, stability, and generalization, resulting in </a:t>
-            </a:r>
-            <a:r>
-              <a:rPr lang="en-US" sz="1500" b="1" dirty="0"/>
-              <a:t>R² = 0.964</a:t>
-            </a:r>
-            <a:r>
-              <a:rPr lang="en-US" sz="1500" dirty="0"/>
-              <a:t> and </a:t>
-            </a:r>
-            <a:r>
-              <a:rPr lang="en-US" sz="1500" b="1" dirty="0"/>
-              <a:t>RMSE = 0.67</a:t>
-            </a:r>
-            <a:r>
-              <a:rPr lang="en-US" sz="1500" dirty="0"/>
-              <a:t> on the test set.</a:t>
-            </a:r>
-          </a:p>
-          <a:p>
-            <a:pPr marL="0" indent="0">
-              <a:buNone/>
-            </a:pPr>
-            <a:endParaRPr lang="en-US" b="1" dirty="0"/>
-          </a:p>
-        </p:txBody>
-      </p:sp>
-      <p:pic>
-        <p:nvPicPr>
-          <p:cNvPr id="5" name="Picture 4" descr="Application Logo">
-            <a:extLst>
-              <a:ext uri="{FF2B5EF4-FFF2-40B4-BE49-F238E27FC236}">
-                <a16:creationId xmlns:a16="http://schemas.microsoft.com/office/drawing/2014/main" id="{1712A89C-0EFB-6F0C-1479-67A80CD2D9FA}"/>
-              </a:ext>
-            </a:extLst>
-          </p:cNvPr>
-          <p:cNvPicPr>
-            <a:picLocks noChangeAspect="1" noChangeArrowheads="1"/>
-          </p:cNvPicPr>
-          <p:nvPr/>
-        </p:nvPicPr>
-        <p:blipFill>
-          <a:blip r:embed="rId2">
-            <a:extLst>
-              <a:ext uri="{28A0092B-C50C-407E-A947-70E740481C1C}">
-                <a14:useLocalDpi xmlns:a14="http://schemas.microsoft.com/office/drawing/2010/main" val="0"/>
-              </a:ext>
-            </a:extLst>
-          </a:blip>
-          <a:srcRect/>
-          <a:stretch>
-            <a:fillRect/>
-          </a:stretch>
-        </p:blipFill>
-        <p:spPr bwMode="auto">
-          <a:xfrm>
-            <a:off x="9720961" y="1299632"/>
-            <a:ext cx="1905000" cy="381000"/>
-          </a:xfrm>
-          <a:prstGeom prst="rect">
-            <a:avLst/>
-          </a:prstGeom>
-          <a:noFill/>
-          <a:extLst>
-            <a:ext uri="{909E8E84-426E-40DD-AFC4-6F175D3DCCD1}">
-              <a14:hiddenFill xmlns:a14="http://schemas.microsoft.com/office/drawing/2010/main">
-                <a:solidFill>
-                  <a:srgbClr val="FFFFFF"/>
-                </a:solidFill>
-              </a14:hiddenFill>
-            </a:ext>
-          </a:extLst>
-        </p:spPr>
-      </p:pic>
-    </p:spTree>
-    <p:extLst>
-      <p:ext uri="{BB962C8B-B14F-4D97-AF65-F5344CB8AC3E}">
-        <p14:creationId xmlns:p14="http://schemas.microsoft.com/office/powerpoint/2010/main" val="2159584849"/>
-      </p:ext>
-    </p:extLst>
-  </p:cSld>
-  <p:clrMapOvr>
-    <a:masterClrMapping/>
-  </p:clrMapOvr>
-</p:sld>
-</file>
-
-<file path=ppt/slides/slide11.xml><?xml version="1.0" encoding="utf-8"?>
-<p:sld xmlns:a="http://schemas.openxmlformats.org/drawingml/2006/main" xmlns:r="http://schemas.openxmlformats.org/officeDocument/2006/relationships" xmlns:p="http://schemas.openxmlformats.org/presentationml/2006/main">
-  <p:cSld>
-    <p:spTree>
-      <p:nvGrpSpPr>
-        <p:cNvPr id="1" name=""/>
-        <p:cNvGrpSpPr/>
-        <p:nvPr/>
-      </p:nvGrpSpPr>
-      <p:grpSpPr>
-        <a:xfrm>
-          <a:off x="0" y="0"/>
-          <a:ext cx="0" cy="0"/>
-          <a:chOff x="0" y="0"/>
-          <a:chExt cx="0" cy="0"/>
-        </a:xfrm>
-      </p:grpSpPr>
-      <p:sp>
-        <p:nvSpPr>
-          <p:cNvPr id="2" name="Title 1">
-            <a:extLst>
-              <a:ext uri="{FF2B5EF4-FFF2-40B4-BE49-F238E27FC236}">
                 <a16:creationId xmlns:a16="http://schemas.microsoft.com/office/drawing/2014/main" id="{C6070617-25A0-D5EB-CF8D-055578896EAD}"/>
               </a:ext>
             </a:extLst>
@@ -14582,6 +14113,9 @@
           </a:bodyPr>
           <a:lstStyle/>
           <a:p>
+            <a:pPr marL="0" indent="0">
+              <a:buNone/>
+            </a:pPr>
             <a:r>
               <a:rPr lang="en-US" b="1" dirty="0"/>
               <a:t>Model Evaluation / Results</a:t>
@@ -14775,7 +14309,7 @@
 </p:sld>
 </file>
 
-<file path=ppt/slides/slide12.xml><?xml version="1.0" encoding="utf-8"?>
+<file path=ppt/slides/slide11.xml><?xml version="1.0" encoding="utf-8"?>
 <p:sld xmlns:a="http://schemas.openxmlformats.org/drawingml/2006/main" xmlns:r="http://schemas.openxmlformats.org/officeDocument/2006/relationships" xmlns:p="http://schemas.openxmlformats.org/presentationml/2006/main">
   <p:cSld>
     <p:spTree>
@@ -14940,7 +14474,15 @@
             <a:pPr lvl="1"/>
             <a:r>
               <a:rPr lang="en-US" dirty="0"/>
-              <a:t>Simple interface to input features like Age, Position, Minutes Played, Key Passes, etc., and display predictions.</a:t>
+              <a:t>Simple interface to input features like Age, Position, Minutes Played, </a:t>
+            </a:r>
+            <a:r>
+              <a:rPr lang="en-US" dirty="0" err="1"/>
+              <a:t>xG</a:t>
+            </a:r>
+            <a:r>
+              <a:rPr lang="en-US" dirty="0"/>
+              <a:t>, etc., and display predictions.</a:t>
             </a:r>
           </a:p>
           <a:p>
@@ -15057,7 +14599,7 @@
 </p:sld>
 </file>
 
-<file path=ppt/slides/slide13.xml><?xml version="1.0" encoding="utf-8"?>
+<file path=ppt/slides/slide12.xml><?xml version="1.0" encoding="utf-8"?>
 <p:sld xmlns:a="http://schemas.openxmlformats.org/drawingml/2006/main" xmlns:r="http://schemas.openxmlformats.org/officeDocument/2006/relationships" xmlns:p="http://schemas.openxmlformats.org/presentationml/2006/main">
   <p:cSld>
     <p:spTree>
@@ -15223,7 +14765,7 @@
 </p:sld>
 </file>
 
-<file path=ppt/slides/slide14.xml><?xml version="1.0" encoding="utf-8"?>
+<file path=ppt/slides/slide13.xml><?xml version="1.0" encoding="utf-8"?>
 <p:sld xmlns:a="http://schemas.openxmlformats.org/drawingml/2006/main" xmlns:r="http://schemas.openxmlformats.org/officeDocument/2006/relationships" xmlns:p="http://schemas.openxmlformats.org/presentationml/2006/main">
   <p:cSld>
     <p:spTree>
@@ -15332,15 +14874,7 @@
             </a:r>
             <a:r>
               <a:rPr lang="en-US" dirty="0"/>
-              <a:t> such as Kaggle, Scikit-learn, and </a:t>
-            </a:r>
-            <a:r>
-              <a:rPr lang="en-US" dirty="0" err="1"/>
-              <a:t>Streamlit</a:t>
-            </a:r>
-            <a:r>
-              <a:rPr lang="en-US" dirty="0"/>
-              <a:t>, which were instrumental in the successful completion of this project.</a:t>
+              <a:t> such as Kaggle, Scikit-learn, and Render, which were instrumental in the successful completion of this project.</a:t>
             </a:r>
           </a:p>
           <a:p>
@@ -15348,6 +14882,53 @@
           </a:p>
         </p:txBody>
       </p:sp>
+      <p:pic>
+        <p:nvPicPr>
+          <p:cNvPr id="4" name="Picture 3" descr="Application Logo">
+            <a:extLst>
+              <a:ext uri="{FF2B5EF4-FFF2-40B4-BE49-F238E27FC236}">
+                <a16:creationId xmlns:a16="http://schemas.microsoft.com/office/drawing/2014/main" id="{B5D00DF7-3B12-FC49-6A48-E675B3A196E6}"/>
+              </a:ext>
+            </a:extLst>
+          </p:cNvPr>
+          <p:cNvPicPr>
+            <a:picLocks noChangeAspect="1" noChangeArrowheads="1"/>
+          </p:cNvPicPr>
+          <p:nvPr/>
+        </p:nvPicPr>
+        <p:blipFill>
+          <a:blip r:embed="rId2">
+            <a:extLst>
+              <a:ext uri="{28A0092B-C50C-407E-A947-70E740481C1C}">
+                <a14:useLocalDpi xmlns:a14="http://schemas.microsoft.com/office/drawing/2010/main" val="0"/>
+              </a:ext>
+            </a:extLst>
+          </a:blip>
+          <a:srcRect/>
+          <a:stretch>
+            <a:fillRect/>
+          </a:stretch>
+        </p:blipFill>
+        <p:spPr bwMode="auto">
+          <a:xfrm>
+            <a:off x="9720961" y="1299632"/>
+            <a:ext cx="1905000" cy="381000"/>
+          </a:xfrm>
+          <a:prstGeom prst="rect">
+            <a:avLst/>
+          </a:prstGeom>
+          <a:noFill/>
+          <a:extLst>
+            <a:ext uri="{909E8E84-426E-40DD-AFC4-6F175D3DCCD1}">
+              <a14:hiddenFill xmlns:a14="http://schemas.microsoft.com/office/drawing/2010/main">
+                <a:solidFill>
+                  <a:srgbClr val="FFFFFF"/>
+                </a:solidFill>
+              </a14:hiddenFill>
+            </a:ext>
+          </a:extLst>
+        </p:spPr>
+      </p:pic>
     </p:spTree>
     <p:extLst>
       <p:ext uri="{BB962C8B-B14F-4D97-AF65-F5344CB8AC3E}">
@@ -15361,7 +14942,7 @@
 </p:sld>
 </file>
 
-<file path=ppt/slides/slide15.xml><?xml version="1.0" encoding="utf-8"?>
+<file path=ppt/slides/slide14.xml><?xml version="1.0" encoding="utf-8"?>
 <p:sld xmlns:a="http://schemas.openxmlformats.org/drawingml/2006/main" xmlns:r="http://schemas.openxmlformats.org/officeDocument/2006/relationships" xmlns:p="http://schemas.openxmlformats.org/presentationml/2006/main">
   <p:cSld>
     <p:spTree>
@@ -15417,6 +14998,53 @@
           </a:p>
         </p:txBody>
       </p:sp>
+      <p:pic>
+        <p:nvPicPr>
+          <p:cNvPr id="2" name="Picture 1" descr="Application Logo">
+            <a:extLst>
+              <a:ext uri="{FF2B5EF4-FFF2-40B4-BE49-F238E27FC236}">
+                <a16:creationId xmlns:a16="http://schemas.microsoft.com/office/drawing/2014/main" id="{3658826A-8C7B-8DFB-D773-D31086527459}"/>
+              </a:ext>
+            </a:extLst>
+          </p:cNvPr>
+          <p:cNvPicPr>
+            <a:picLocks noChangeAspect="1" noChangeArrowheads="1"/>
+          </p:cNvPicPr>
+          <p:nvPr/>
+        </p:nvPicPr>
+        <p:blipFill>
+          <a:blip r:embed="rId2">
+            <a:extLst>
+              <a:ext uri="{28A0092B-C50C-407E-A947-70E740481C1C}">
+                <a14:useLocalDpi xmlns:a14="http://schemas.microsoft.com/office/drawing/2010/main" val="0"/>
+              </a:ext>
+            </a:extLst>
+          </a:blip>
+          <a:srcRect/>
+          <a:stretch>
+            <a:fillRect/>
+          </a:stretch>
+        </p:blipFill>
+        <p:spPr bwMode="auto">
+          <a:xfrm>
+            <a:off x="9720961" y="1299632"/>
+            <a:ext cx="1905000" cy="381000"/>
+          </a:xfrm>
+          <a:prstGeom prst="rect">
+            <a:avLst/>
+          </a:prstGeom>
+          <a:noFill/>
+          <a:extLst>
+            <a:ext uri="{909E8E84-426E-40DD-AFC4-6F175D3DCCD1}">
+              <a14:hiddenFill xmlns:a14="http://schemas.microsoft.com/office/drawing/2010/main">
+                <a:solidFill>
+                  <a:srgbClr val="FFFFFF"/>
+                </a:solidFill>
+              </a14:hiddenFill>
+            </a:ext>
+          </a:extLst>
+        </p:spPr>
+      </p:pic>
     </p:spTree>
     <p:extLst>
       <p:ext uri="{BB962C8B-B14F-4D97-AF65-F5344CB8AC3E}">
@@ -15611,7 +15239,7 @@
           <a:p>
             <a:r>
               <a:rPr lang="en-IN" dirty="0"/>
-              <a:t>OBJECTIVE &amp; MOVTIVATION</a:t>
+              <a:t>OBJECTIVE &amp; MOTIVATION</a:t>
             </a:r>
           </a:p>
         </p:txBody>
@@ -16097,8 +15725,8 @@
         </p:nvSpPr>
         <p:spPr bwMode="auto">
           <a:xfrm>
-            <a:off x="692838" y="2744964"/>
-            <a:ext cx="8276625" cy="2523768"/>
+            <a:off x="692838" y="2945019"/>
+            <a:ext cx="8276625" cy="2123658"/>
           </a:xfrm>
           <a:prstGeom prst="rect">
             <a:avLst/>
@@ -16294,17 +15922,6 @@
               <a:tabLst/>
             </a:pPr>
             <a:r>
-              <a:rPr lang="en-US" altLang="en-US" sz="2600" dirty="0">
-                <a:solidFill>
-                  <a:schemeClr val="tx2">
-                    <a:lumMod val="75000"/>
-                  </a:schemeClr>
-                </a:solidFill>
-                <a:latin typeface="Arial" panose="020B0604020202020204" pitchFamily="34" charset="0"/>
-              </a:rPr>
-              <a:t>4</a:t>
-            </a:r>
-            <a:r>
               <a:rPr kumimoji="0" lang="en-US" altLang="en-US" sz="2600" b="0" i="0" u="none" strike="noStrike" cap="none" normalizeH="0" baseline="0" dirty="0">
                 <a:ln>
                   <a:noFill/>
@@ -16317,37 +15934,7 @@
                 <a:effectLst/>
                 <a:latin typeface="Arial" panose="020B0604020202020204" pitchFamily="34" charset="0"/>
               </a:rPr>
-              <a:t>) </a:t>
-            </a:r>
-            <a:r>
-              <a:rPr kumimoji="0" lang="en-US" altLang="en-US" sz="2600" b="0" i="0" u="none" strike="noStrike" cap="none" normalizeH="0" baseline="0" dirty="0" err="1">
-                <a:ln>
-                  <a:noFill/>
-                </a:ln>
-                <a:solidFill>
-                  <a:schemeClr val="tx2">
-                    <a:lumMod val="75000"/>
-                  </a:schemeClr>
-                </a:solidFill>
-                <a:effectLst/>
-                <a:latin typeface="Arial" panose="020B0604020202020204" pitchFamily="34" charset="0"/>
-              </a:rPr>
-              <a:t>Hpyerparameter</a:t>
-            </a:r>
-            <a:r>
-              <a:rPr kumimoji="0" lang="en-US" altLang="en-US" sz="2600" b="0" i="0" u="none" strike="noStrike" cap="none" normalizeH="0" baseline="0" dirty="0">
-                <a:ln>
-                  <a:noFill/>
-                </a:ln>
-                <a:solidFill>
-                  <a:schemeClr val="tx2">
-                    <a:lumMod val="75000"/>
-                  </a:schemeClr>
-                </a:solidFill>
-                <a:effectLst/>
-                <a:latin typeface="Arial" panose="020B0604020202020204" pitchFamily="34" charset="0"/>
-              </a:rPr>
-              <a:t> Tunning</a:t>
+              <a:t>4) Evaluation</a:t>
             </a:r>
           </a:p>
           <a:p>
@@ -16367,17 +15954,6 @@
               <a:tabLst/>
             </a:pPr>
             <a:r>
-              <a:rPr lang="en-US" altLang="en-US" sz="2600" dirty="0">
-                <a:solidFill>
-                  <a:schemeClr val="tx2">
-                    <a:lumMod val="75000"/>
-                  </a:schemeClr>
-                </a:solidFill>
-                <a:latin typeface="Arial" panose="020B0604020202020204" pitchFamily="34" charset="0"/>
-              </a:rPr>
-              <a:t>5</a:t>
-            </a:r>
-            <a:r>
               <a:rPr kumimoji="0" lang="en-US" altLang="en-US" sz="2600" b="0" i="0" u="none" strike="noStrike" cap="none" normalizeH="0" baseline="0" dirty="0">
                 <a:ln>
                   <a:noFill/>
@@ -16390,50 +15966,7 @@
                 <a:effectLst/>
                 <a:latin typeface="Arial" panose="020B0604020202020204" pitchFamily="34" charset="0"/>
               </a:rPr>
-              <a:t>) Evaluation</a:t>
-            </a:r>
-          </a:p>
-          <a:p>
-            <a:pPr marL="0" marR="0" lvl="0" indent="0" algn="l" defTabSz="914400" rtl="0" eaLnBrk="0" fontAlgn="base" latinLnBrk="0" hangingPunct="0">
-              <a:lnSpc>
-                <a:spcPct val="100000"/>
-              </a:lnSpc>
-              <a:spcBef>
-                <a:spcPct val="0"/>
-              </a:spcBef>
-              <a:spcAft>
-                <a:spcPct val="0"/>
-              </a:spcAft>
-              <a:buClrTx/>
-              <a:buSzTx/>
-              <a:buNone/>
-              <a:tabLst/>
-            </a:pPr>
-            <a:r>
-              <a:rPr lang="en-US" altLang="en-US" sz="2600" dirty="0">
-                <a:solidFill>
-                  <a:schemeClr val="tx2">
-                    <a:lumMod val="75000"/>
-                  </a:schemeClr>
-                </a:solidFill>
-                <a:latin typeface="Arial" panose="020B0604020202020204" pitchFamily="34" charset="0"/>
-              </a:rPr>
-              <a:t>6</a:t>
-            </a:r>
-            <a:r>
-              <a:rPr kumimoji="0" lang="en-US" altLang="en-US" sz="2600" b="0" i="0" u="none" strike="noStrike" cap="none" normalizeH="0" baseline="0" dirty="0">
-                <a:ln>
-                  <a:noFill/>
-                </a:ln>
-                <a:solidFill>
-                  <a:schemeClr val="tx2">
-                    <a:lumMod val="75000"/>
-                  </a:schemeClr>
-                </a:solidFill>
-                <a:effectLst/>
-                <a:latin typeface="Arial" panose="020B0604020202020204" pitchFamily="34" charset="0"/>
-              </a:rPr>
-              <a:t>)Deployment</a:t>
+              <a:t>5)Deployment</a:t>
             </a:r>
           </a:p>
         </p:txBody>
@@ -16946,10 +16479,10 @@
       </p:pic>
       <p:pic>
         <p:nvPicPr>
-          <p:cNvPr id="9" name="Picture 8">
+          <p:cNvPr id="5" name="Picture 4">
             <a:extLst>
               <a:ext uri="{FF2B5EF4-FFF2-40B4-BE49-F238E27FC236}">
-                <a16:creationId xmlns:a16="http://schemas.microsoft.com/office/drawing/2014/main" id="{610F71A7-5C01-A9D7-7709-CB9A3F74B58D}"/>
+                <a16:creationId xmlns:a16="http://schemas.microsoft.com/office/drawing/2014/main" id="{6D54C522-3346-20FD-0731-F050C05CAD90}"/>
               </a:ext>
             </a:extLst>
           </p:cNvPr>
@@ -16959,21 +16492,15 @@
           <p:nvPr/>
         </p:nvPicPr>
         <p:blipFill>
-          <a:blip r:embed="rId4">
-            <a:extLst>
-              <a:ext uri="{28A0092B-C50C-407E-A947-70E740481C1C}">
-                <a14:useLocalDpi xmlns:a14="http://schemas.microsoft.com/office/drawing/2010/main" val="0"/>
-              </a:ext>
-            </a:extLst>
-          </a:blip>
+          <a:blip r:embed="rId4"/>
           <a:stretch>
             <a:fillRect/>
           </a:stretch>
         </p:blipFill>
         <p:spPr>
           <a:xfrm>
-            <a:off x="686419" y="4855896"/>
-            <a:ext cx="10919878" cy="1703457"/>
+            <a:off x="137652" y="2959510"/>
+            <a:ext cx="11877367" cy="3592499"/>
           </a:xfrm>
           <a:prstGeom prst="rect">
             <a:avLst/>
@@ -18239,7 +17766,7 @@
         <p:spPr>
           <a:xfrm>
             <a:off x="6169742" y="2241755"/>
-            <a:ext cx="5692877" cy="4454013"/>
+            <a:ext cx="5815781" cy="4739148"/>
           </a:xfrm>
           <a:prstGeom prst="rect">
             <a:avLst/>
@@ -18247,7 +17774,7 @@
         </p:spPr>
         <p:txBody>
           <a:bodyPr vert="horz" lIns="91440" tIns="45720" rIns="91440" bIns="45720" rtlCol="0">
-            <a:normAutofit/>
+            <a:normAutofit fontScale="92500" lnSpcReduction="10000"/>
           </a:bodyPr>
           <a:lstStyle>
             <a:lvl1pPr marL="342900" indent="-342900" algn="l" defTabSz="457200" rtl="0" eaLnBrk="1" latinLnBrk="0" hangingPunct="1">
@@ -18537,8 +18064,57 @@
           </a:p>
           <a:p>
             <a:r>
+              <a:rPr lang="en-IN" b="1" dirty="0"/>
+              <a:t>Model Parameters:</a:t>
+            </a:r>
+            <a:endParaRPr lang="en-IN" dirty="0"/>
+          </a:p>
+          <a:p>
+            <a:pPr lvl="1"/>
+            <a:r>
+              <a:rPr lang="en-IN" dirty="0" err="1"/>
+              <a:t>n_estimators</a:t>
+            </a:r>
+            <a:r>
+              <a:rPr lang="en-IN" dirty="0"/>
+              <a:t> = 200</a:t>
+            </a:r>
+          </a:p>
+          <a:p>
+            <a:pPr lvl="1"/>
+            <a:r>
+              <a:rPr lang="en-IN" dirty="0" err="1"/>
+              <a:t>learning_rate</a:t>
+            </a:r>
+            <a:r>
+              <a:rPr lang="en-IN" dirty="0"/>
+              <a:t> = 0.1</a:t>
+            </a:r>
+          </a:p>
+          <a:p>
+            <a:pPr lvl="1"/>
+            <a:r>
+              <a:rPr lang="en-IN" dirty="0" err="1"/>
+              <a:t>max_depth</a:t>
+            </a:r>
+            <a:r>
+              <a:rPr lang="en-IN" dirty="0"/>
+              <a:t> = 3</a:t>
+            </a:r>
+          </a:p>
+          <a:p>
+            <a:pPr lvl="1"/>
+            <a:r>
+              <a:rPr lang="en-IN" dirty="0" err="1"/>
+              <a:t>random_state</a:t>
+            </a:r>
+            <a:r>
+              <a:rPr lang="en-IN" dirty="0"/>
+              <a:t> = 42</a:t>
+            </a:r>
+            <a:r>
               <a:rPr lang="en-US" dirty="0"/>
-              <a:t>Based on these factors we trained the model.</a:t>
+              <a:t>.</a:t>
             </a:r>
           </a:p>
           <a:p>
@@ -18561,7 +18137,7 @@
           <p:nvPr/>
         </p:nvPicPr>
         <p:blipFill>
-          <a:blip r:embed="rId2">
+          <a:blip r:embed="rId3">
             <a:extLst>
               <a:ext uri="{28A0092B-C50C-407E-A947-70E740481C1C}">
                 <a14:useLocalDpi xmlns:a14="http://schemas.microsoft.com/office/drawing/2010/main" val="0"/>
